--- a/SOLID PRINCIPLES.pptx
+++ b/SOLID PRINCIPLES.pptx
@@ -12,6 +12,9 @@
     <p:sldId id="260" r:id="rId6"/>
     <p:sldId id="261" r:id="rId7"/>
     <p:sldId id="262" r:id="rId8"/>
+    <p:sldId id="263" r:id="rId9"/>
+    <p:sldId id="264" r:id="rId10"/>
+    <p:sldId id="265" r:id="rId11"/>
   </p:sldIdLst>
   <p:sldSz cx="12192000" cy="6858000"/>
   <p:notesSz cx="6858000" cy="9144000"/>
@@ -265,7 +268,7 @@
           <a:p>
             <a:fld id="{FEFAA8AD-4620-4F44-96FC-3D8BE2FD87D6}" type="datetimeFigureOut">
               <a:rPr lang="en-US" smtClean="0"/>
-              <a:t>10/28/2019</a:t>
+              <a:t>10/29/2019</a:t>
             </a:fld>
             <a:endParaRPr lang="en-US"/>
           </a:p>
@@ -463,7 +466,7 @@
           <a:p>
             <a:fld id="{FEFAA8AD-4620-4F44-96FC-3D8BE2FD87D6}" type="datetimeFigureOut">
               <a:rPr lang="en-US" smtClean="0"/>
-              <a:t>10/28/2019</a:t>
+              <a:t>10/29/2019</a:t>
             </a:fld>
             <a:endParaRPr lang="en-US"/>
           </a:p>
@@ -671,7 +674,7 @@
           <a:p>
             <a:fld id="{FEFAA8AD-4620-4F44-96FC-3D8BE2FD87D6}" type="datetimeFigureOut">
               <a:rPr lang="en-US" smtClean="0"/>
-              <a:t>10/28/2019</a:t>
+              <a:t>10/29/2019</a:t>
             </a:fld>
             <a:endParaRPr lang="en-US"/>
           </a:p>
@@ -869,7 +872,7 @@
           <a:p>
             <a:fld id="{FEFAA8AD-4620-4F44-96FC-3D8BE2FD87D6}" type="datetimeFigureOut">
               <a:rPr lang="en-US" smtClean="0"/>
-              <a:t>10/28/2019</a:t>
+              <a:t>10/29/2019</a:t>
             </a:fld>
             <a:endParaRPr lang="en-US"/>
           </a:p>
@@ -1144,7 +1147,7 @@
           <a:p>
             <a:fld id="{FEFAA8AD-4620-4F44-96FC-3D8BE2FD87D6}" type="datetimeFigureOut">
               <a:rPr lang="en-US" smtClean="0"/>
-              <a:t>10/28/2019</a:t>
+              <a:t>10/29/2019</a:t>
             </a:fld>
             <a:endParaRPr lang="en-US"/>
           </a:p>
@@ -1409,7 +1412,7 @@
           <a:p>
             <a:fld id="{FEFAA8AD-4620-4F44-96FC-3D8BE2FD87D6}" type="datetimeFigureOut">
               <a:rPr lang="en-US" smtClean="0"/>
-              <a:t>10/28/2019</a:t>
+              <a:t>10/29/2019</a:t>
             </a:fld>
             <a:endParaRPr lang="en-US"/>
           </a:p>
@@ -1821,7 +1824,7 @@
           <a:p>
             <a:fld id="{FEFAA8AD-4620-4F44-96FC-3D8BE2FD87D6}" type="datetimeFigureOut">
               <a:rPr lang="en-US" smtClean="0"/>
-              <a:t>10/28/2019</a:t>
+              <a:t>10/29/2019</a:t>
             </a:fld>
             <a:endParaRPr lang="en-US"/>
           </a:p>
@@ -1962,7 +1965,7 @@
           <a:p>
             <a:fld id="{FEFAA8AD-4620-4F44-96FC-3D8BE2FD87D6}" type="datetimeFigureOut">
               <a:rPr lang="en-US" smtClean="0"/>
-              <a:t>10/28/2019</a:t>
+              <a:t>10/29/2019</a:t>
             </a:fld>
             <a:endParaRPr lang="en-US"/>
           </a:p>
@@ -2075,7 +2078,7 @@
           <a:p>
             <a:fld id="{FEFAA8AD-4620-4F44-96FC-3D8BE2FD87D6}" type="datetimeFigureOut">
               <a:rPr lang="en-US" smtClean="0"/>
-              <a:t>10/28/2019</a:t>
+              <a:t>10/29/2019</a:t>
             </a:fld>
             <a:endParaRPr lang="en-US"/>
           </a:p>
@@ -2386,7 +2389,7 @@
           <a:p>
             <a:fld id="{FEFAA8AD-4620-4F44-96FC-3D8BE2FD87D6}" type="datetimeFigureOut">
               <a:rPr lang="en-US" smtClean="0"/>
-              <a:t>10/28/2019</a:t>
+              <a:t>10/29/2019</a:t>
             </a:fld>
             <a:endParaRPr lang="en-US"/>
           </a:p>
@@ -2674,7 +2677,7 @@
           <a:p>
             <a:fld id="{FEFAA8AD-4620-4F44-96FC-3D8BE2FD87D6}" type="datetimeFigureOut">
               <a:rPr lang="en-US" smtClean="0"/>
-              <a:t>10/28/2019</a:t>
+              <a:t>10/29/2019</a:t>
             </a:fld>
             <a:endParaRPr lang="en-US"/>
           </a:p>
@@ -2915,7 +2918,7 @@
           <a:p>
             <a:fld id="{FEFAA8AD-4620-4F44-96FC-3D8BE2FD87D6}" type="datetimeFigureOut">
               <a:rPr lang="en-US" smtClean="0"/>
-              <a:t>10/28/2019</a:t>
+              <a:t>10/29/2019</a:t>
             </a:fld>
             <a:endParaRPr lang="en-US"/>
           </a:p>
@@ -3400,7 +3403,13 @@
             </a:r>
             <a:r>
               <a:rPr lang="en-US" sz="4000" dirty="0"/>
-              <a:t>– Single Responsibility</a:t>
+              <a:t>– </a:t>
+            </a:r>
+            <a:r>
+              <a:rPr lang="en-US" sz="4000" dirty="0">
+                <a:latin typeface="+mj-lt"/>
+              </a:rPr>
+              <a:t>Single Responsibility</a:t>
             </a:r>
           </a:p>
           <a:p>
@@ -3411,40 +3420,72 @@
             </a:r>
             <a:r>
               <a:rPr lang="en-US" sz="4000" dirty="0"/>
-              <a:t>– Open Closed</a:t>
+              <a:t>– </a:t>
+            </a:r>
+            <a:r>
+              <a:rPr lang="en-US" sz="4000" dirty="0">
+                <a:latin typeface="+mj-lt"/>
+              </a:rPr>
+              <a:t>Open Closed</a:t>
             </a:r>
           </a:p>
           <a:p>
             <a:pPr algn="l"/>
             <a:r>
-              <a:rPr lang="en-US" sz="4000" b="1" dirty="0"/>
+              <a:rPr lang="en-US" sz="4000" b="1" dirty="0" smtClean="0"/>
               <a:t>L</a:t>
             </a:r>
             <a:r>
+              <a:rPr lang="en-US" sz="4000" dirty="0" smtClean="0"/>
+              <a:t> </a:t>
+            </a:r>
+            <a:r>
               <a:rPr lang="en-US" sz="4000" dirty="0"/>
-              <a:t> – Liskov Substitution</a:t>
+              <a:t>– </a:t>
+            </a:r>
+            <a:r>
+              <a:rPr lang="en-US" sz="4000" dirty="0">
+                <a:latin typeface="+mj-lt"/>
+              </a:rPr>
+              <a:t>Liskov Substitution</a:t>
             </a:r>
           </a:p>
           <a:p>
             <a:pPr algn="l"/>
             <a:r>
-              <a:rPr lang="en-US" sz="4000" b="1" dirty="0"/>
+              <a:rPr lang="en-US" sz="4000" b="1" dirty="0" smtClean="0"/>
               <a:t>I</a:t>
             </a:r>
             <a:r>
+              <a:rPr lang="en-US" sz="4000" dirty="0" smtClean="0"/>
+              <a:t> – </a:t>
+            </a:r>
+            <a:r>
+              <a:rPr lang="en-US" sz="4000" dirty="0">
+                <a:latin typeface="+mj-lt"/>
+              </a:rPr>
+              <a:t>Interface Segregation</a:t>
+            </a:r>
+          </a:p>
+          <a:p>
+            <a:pPr algn="l"/>
+            <a:r>
+              <a:rPr lang="en-US" sz="4000" b="1" dirty="0" smtClean="0"/>
+              <a:t>D</a:t>
+            </a:r>
+            <a:r>
+              <a:rPr lang="en-US" sz="4000" dirty="0" smtClean="0"/>
+              <a:t> </a:t>
+            </a:r>
+            <a:r>
               <a:rPr lang="en-US" sz="4000" dirty="0"/>
-              <a:t> – Interface Segregation</a:t>
-            </a:r>
-          </a:p>
-          <a:p>
-            <a:pPr algn="l"/>
-            <a:r>
-              <a:rPr lang="en-US" sz="4000" b="1" dirty="0"/>
-              <a:t>D</a:t>
-            </a:r>
-            <a:r>
-              <a:rPr lang="en-US" sz="4000" dirty="0"/>
-              <a:t> – Dependency Inversion</a:t>
+              <a:t>– </a:t>
+            </a:r>
+            <a:r>
+              <a:rPr lang="en-US" sz="4000" dirty="0">
+                <a:latin typeface="+mj-lt"/>
+              </a:rPr>
+              <a:t>Dependency Inversion</a:t>
             </a:r>
           </a:p>
         </p:txBody>
@@ -3488,6 +3529,406 @@
     <p:extLst>
       <p:ext uri="{BB962C8B-B14F-4D97-AF65-F5344CB8AC3E}">
         <p14:creationId xmlns:p14="http://schemas.microsoft.com/office/powerpoint/2010/main" val="3154456235"/>
+      </p:ext>
+    </p:extLst>
+  </p:cSld>
+  <p:clrMapOvr>
+    <a:masterClrMapping/>
+  </p:clrMapOvr>
+</p:sld>
+</file>
+
+<file path=ppt/slides/slide10.xml><?xml version="1.0" encoding="utf-8"?>
+<p:sld xmlns:a="http://schemas.openxmlformats.org/drawingml/2006/main" xmlns:r="http://schemas.openxmlformats.org/officeDocument/2006/relationships" xmlns:p="http://schemas.openxmlformats.org/presentationml/2006/main">
+  <p:cSld>
+    <p:spTree>
+      <p:nvGrpSpPr>
+        <p:cNvPr id="1" name=""/>
+        <p:cNvGrpSpPr/>
+        <p:nvPr/>
+      </p:nvGrpSpPr>
+      <p:grpSpPr>
+        <a:xfrm>
+          <a:off x="0" y="0"/>
+          <a:ext cx="0" cy="0"/>
+          <a:chOff x="0" y="0"/>
+          <a:chExt cx="0" cy="0"/>
+        </a:xfrm>
+      </p:grpSpPr>
+      <p:sp>
+        <p:nvSpPr>
+          <p:cNvPr id="3" name="Content Placeholder 2"/>
+          <p:cNvSpPr>
+            <a:spLocks noGrp="1"/>
+          </p:cNvSpPr>
+          <p:nvPr>
+            <p:ph idx="1"/>
+          </p:nvPr>
+        </p:nvSpPr>
+        <p:spPr>
+          <a:xfrm>
+            <a:off x="838200" y="415636"/>
+            <a:ext cx="10515600" cy="5761327"/>
+          </a:xfrm>
+        </p:spPr>
+        <p:txBody>
+          <a:bodyPr>
+            <a:normAutofit fontScale="25000" lnSpcReduction="20000"/>
+          </a:bodyPr>
+          <a:lstStyle/>
+          <a:p>
+            <a:pPr marL="0" indent="0">
+              <a:buNone/>
+            </a:pPr>
+            <a:r>
+              <a:rPr lang="en-US" sz="5500" dirty="0" smtClean="0"/>
+              <a:t>Lets say we now have enhancement to differentiate bonus for Permanent and Contract employees.</a:t>
+            </a:r>
+          </a:p>
+          <a:p>
+            <a:pPr marL="0" indent="0">
+              <a:buNone/>
+            </a:pPr>
+            <a:endParaRPr lang="en-US" sz="1600" dirty="0"/>
+          </a:p>
+          <a:p>
+            <a:pPr marL="0" indent="0">
+              <a:buNone/>
+            </a:pPr>
+            <a:r>
+              <a:rPr lang="en-IN" sz="3600" dirty="0" smtClean="0">
+                <a:latin typeface="+mj-lt"/>
+              </a:rPr>
+              <a:t>    public </a:t>
+            </a:r>
+            <a:r>
+              <a:rPr lang="en-IN" sz="3600" dirty="0">
+                <a:latin typeface="+mj-lt"/>
+              </a:rPr>
+              <a:t>class Employee</a:t>
+            </a:r>
+          </a:p>
+          <a:p>
+            <a:pPr marL="0" indent="0">
+              <a:buNone/>
+            </a:pPr>
+            <a:r>
+              <a:rPr lang="en-IN" sz="3600" dirty="0">
+                <a:latin typeface="+mj-lt"/>
+              </a:rPr>
+              <a:t>    {</a:t>
+            </a:r>
+          </a:p>
+          <a:p>
+            <a:pPr marL="0" indent="0">
+              <a:buNone/>
+            </a:pPr>
+            <a:r>
+              <a:rPr lang="en-US" sz="3600" dirty="0">
+                <a:latin typeface="+mj-lt"/>
+              </a:rPr>
+              <a:t>        public int ID { get; set; }</a:t>
+            </a:r>
+          </a:p>
+          <a:p>
+            <a:pPr marL="0" indent="0">
+              <a:buNone/>
+            </a:pPr>
+            <a:r>
+              <a:rPr lang="en-US" sz="3600" dirty="0">
+                <a:latin typeface="+mj-lt"/>
+              </a:rPr>
+              <a:t>        public string Name { get; set; }</a:t>
+            </a:r>
+          </a:p>
+          <a:p>
+            <a:pPr marL="0" indent="0">
+              <a:buNone/>
+            </a:pPr>
+            <a:r>
+              <a:rPr lang="en-US" sz="3600" dirty="0">
+                <a:latin typeface="+mj-lt"/>
+              </a:rPr>
+              <a:t>        </a:t>
+            </a:r>
+            <a:r>
+              <a:rPr lang="en-US" sz="3600" dirty="0">
+                <a:solidFill>
+                  <a:srgbClr val="FF0000"/>
+                </a:solidFill>
+                <a:latin typeface="+mj-lt"/>
+              </a:rPr>
+              <a:t>public string EmployeeType { get; set; }</a:t>
+            </a:r>
+          </a:p>
+          <a:p>
+            <a:pPr marL="0" indent="0">
+              <a:buNone/>
+            </a:pPr>
+            <a:endParaRPr lang="en-IN" sz="3600" dirty="0">
+              <a:latin typeface="+mj-lt"/>
+            </a:endParaRPr>
+          </a:p>
+          <a:p>
+            <a:pPr marL="0" indent="0">
+              <a:buNone/>
+            </a:pPr>
+            <a:r>
+              <a:rPr lang="en-IN" sz="3600" dirty="0">
+                <a:latin typeface="+mj-lt"/>
+              </a:rPr>
+              <a:t>        public Employee() { }</a:t>
+            </a:r>
+          </a:p>
+          <a:p>
+            <a:pPr marL="0" indent="0">
+              <a:buNone/>
+            </a:pPr>
+            <a:endParaRPr lang="en-IN" sz="3600" dirty="0">
+              <a:latin typeface="+mj-lt"/>
+            </a:endParaRPr>
+          </a:p>
+          <a:p>
+            <a:pPr marL="0" indent="0">
+              <a:buNone/>
+            </a:pPr>
+            <a:r>
+              <a:rPr lang="en-US" sz="3600" dirty="0">
+                <a:latin typeface="+mj-lt"/>
+              </a:rPr>
+              <a:t>        public Employee(int id, string name, </a:t>
+            </a:r>
+            <a:r>
+              <a:rPr lang="en-US" sz="3600" dirty="0">
+                <a:solidFill>
+                  <a:srgbClr val="FF0000"/>
+                </a:solidFill>
+                <a:latin typeface="+mj-lt"/>
+              </a:rPr>
+              <a:t>string employeeType</a:t>
+            </a:r>
+            <a:r>
+              <a:rPr lang="en-US" sz="3600" dirty="0">
+                <a:latin typeface="+mj-lt"/>
+              </a:rPr>
+              <a:t>)</a:t>
+            </a:r>
+          </a:p>
+          <a:p>
+            <a:pPr marL="0" indent="0">
+              <a:buNone/>
+            </a:pPr>
+            <a:r>
+              <a:rPr lang="en-IN" sz="3600" dirty="0">
+                <a:latin typeface="+mj-lt"/>
+              </a:rPr>
+              <a:t>        {</a:t>
+            </a:r>
+          </a:p>
+          <a:p>
+            <a:pPr marL="0" indent="0">
+              <a:buNone/>
+            </a:pPr>
+            <a:r>
+              <a:rPr lang="en-IN" sz="3600" dirty="0">
+                <a:latin typeface="+mj-lt"/>
+              </a:rPr>
+              <a:t>            this.ID = id;</a:t>
+            </a:r>
+          </a:p>
+          <a:p>
+            <a:pPr marL="0" indent="0">
+              <a:buNone/>
+            </a:pPr>
+            <a:r>
+              <a:rPr lang="en-IN" sz="3600" dirty="0">
+                <a:latin typeface="+mj-lt"/>
+              </a:rPr>
+              <a:t>            this.Name = name;</a:t>
+            </a:r>
+          </a:p>
+          <a:p>
+            <a:pPr marL="0" indent="0">
+              <a:buNone/>
+            </a:pPr>
+            <a:r>
+              <a:rPr lang="en-IN" sz="3600" dirty="0">
+                <a:latin typeface="+mj-lt"/>
+              </a:rPr>
+              <a:t>            this.EmployeeType = employeeType;</a:t>
+            </a:r>
+          </a:p>
+          <a:p>
+            <a:pPr marL="0" indent="0">
+              <a:buNone/>
+            </a:pPr>
+            <a:r>
+              <a:rPr lang="en-IN" sz="3600" dirty="0">
+                <a:latin typeface="+mj-lt"/>
+              </a:rPr>
+              <a:t>        }</a:t>
+            </a:r>
+          </a:p>
+          <a:p>
+            <a:pPr marL="0" indent="0">
+              <a:buNone/>
+            </a:pPr>
+            <a:endParaRPr lang="en-IN" sz="3600" dirty="0">
+              <a:latin typeface="+mj-lt"/>
+            </a:endParaRPr>
+          </a:p>
+          <a:p>
+            <a:pPr marL="0" indent="0">
+              <a:buNone/>
+            </a:pPr>
+            <a:r>
+              <a:rPr lang="en-IN" sz="3600" dirty="0">
+                <a:latin typeface="+mj-lt"/>
+              </a:rPr>
+              <a:t>        public decimal CalculateBonus(decimal salary)</a:t>
+            </a:r>
+          </a:p>
+          <a:p>
+            <a:pPr marL="0" indent="0">
+              <a:buNone/>
+            </a:pPr>
+            <a:r>
+              <a:rPr lang="en-IN" sz="3600" dirty="0">
+                <a:latin typeface="+mj-lt"/>
+              </a:rPr>
+              <a:t>        {</a:t>
+            </a:r>
+          </a:p>
+          <a:p>
+            <a:pPr marL="0" indent="0">
+              <a:buNone/>
+            </a:pPr>
+            <a:r>
+              <a:rPr lang="en-IN" sz="3600" dirty="0">
+                <a:latin typeface="+mj-lt"/>
+              </a:rPr>
+              <a:t>            </a:t>
+            </a:r>
+            <a:r>
+              <a:rPr lang="en-IN" sz="3600" dirty="0">
+                <a:solidFill>
+                  <a:srgbClr val="FF0000"/>
+                </a:solidFill>
+                <a:latin typeface="+mj-lt"/>
+              </a:rPr>
+              <a:t>if (this.EmployeeType == "Permanent")</a:t>
+            </a:r>
+          </a:p>
+          <a:p>
+            <a:pPr marL="0" indent="0">
+              <a:buNone/>
+            </a:pPr>
+            <a:r>
+              <a:rPr lang="en-IN" sz="3600" dirty="0">
+                <a:solidFill>
+                  <a:srgbClr val="FF0000"/>
+                </a:solidFill>
+                <a:latin typeface="+mj-lt"/>
+              </a:rPr>
+              <a:t>                return salary * .1M;</a:t>
+            </a:r>
+          </a:p>
+          <a:p>
+            <a:pPr marL="0" indent="0">
+              <a:buNone/>
+            </a:pPr>
+            <a:r>
+              <a:rPr lang="en-IN" sz="3600" dirty="0">
+                <a:solidFill>
+                  <a:srgbClr val="FF0000"/>
+                </a:solidFill>
+                <a:latin typeface="+mj-lt"/>
+              </a:rPr>
+              <a:t>            else</a:t>
+            </a:r>
+          </a:p>
+          <a:p>
+            <a:pPr marL="0" indent="0">
+              <a:buNone/>
+            </a:pPr>
+            <a:r>
+              <a:rPr lang="en-IN" sz="3600" dirty="0">
+                <a:solidFill>
+                  <a:srgbClr val="FF0000"/>
+                </a:solidFill>
+                <a:latin typeface="+mj-lt"/>
+              </a:rPr>
+              <a:t>                return salary * 0.05M;</a:t>
+            </a:r>
+          </a:p>
+          <a:p>
+            <a:pPr marL="0" indent="0">
+              <a:buNone/>
+            </a:pPr>
+            <a:r>
+              <a:rPr lang="en-IN" sz="3600" dirty="0">
+                <a:latin typeface="+mj-lt"/>
+              </a:rPr>
+              <a:t>        }      </a:t>
+            </a:r>
+          </a:p>
+          <a:p>
+            <a:pPr marL="0" indent="0">
+              <a:buNone/>
+            </a:pPr>
+            <a:r>
+              <a:rPr lang="en-IN" sz="3600" dirty="0">
+                <a:latin typeface="+mj-lt"/>
+              </a:rPr>
+              <a:t>    </a:t>
+            </a:r>
+            <a:r>
+              <a:rPr lang="en-IN" sz="3600" dirty="0" smtClean="0">
+                <a:latin typeface="+mj-lt"/>
+              </a:rPr>
+              <a:t>}</a:t>
+            </a:r>
+          </a:p>
+          <a:p>
+            <a:pPr marL="0" indent="0">
+              <a:buNone/>
+            </a:pPr>
+            <a:endParaRPr lang="en-IN" dirty="0" smtClean="0">
+              <a:latin typeface="+mj-lt"/>
+            </a:endParaRPr>
+          </a:p>
+          <a:p>
+            <a:pPr marL="0" indent="0">
+              <a:buNone/>
+            </a:pPr>
+            <a:r>
+              <a:rPr lang="en-US" sz="5600" dirty="0"/>
+              <a:t>So here we end up enhancing the old class  and account all the problems as suggested.</a:t>
+            </a:r>
+            <a:endParaRPr lang="en-US" sz="5600" dirty="0"/>
+          </a:p>
+          <a:p>
+            <a:pPr marL="0" indent="0">
+              <a:buNone/>
+            </a:pPr>
+            <a:endParaRPr lang="en-US" sz="1600" dirty="0" smtClean="0">
+              <a:latin typeface="+mj-lt"/>
+            </a:endParaRPr>
+          </a:p>
+          <a:p>
+            <a:pPr marL="0" indent="0">
+              <a:buNone/>
+            </a:pPr>
+            <a:endParaRPr lang="en-IN" sz="1600" dirty="0">
+              <a:latin typeface="+mj-lt"/>
+            </a:endParaRPr>
+          </a:p>
+        </p:txBody>
+      </p:sp>
+    </p:spTree>
+    <p:extLst>
+      <p:ext uri="{BB962C8B-B14F-4D97-AF65-F5344CB8AC3E}">
+        <p14:creationId xmlns:p14="http://schemas.microsoft.com/office/powerpoint/2010/main" val="1630034141"/>
       </p:ext>
     </p:extLst>
   </p:cSld>
@@ -3897,25 +4338,33 @@
           </a:p>
           <a:p>
             <a:r>
-              <a:rPr lang="en-US" sz="1600" dirty="0"/>
+              <a:rPr lang="en-US" sz="1600" dirty="0">
+                <a:latin typeface="+mj-lt"/>
+              </a:rPr>
               <a:t>bool Login(string username, string password)</a:t>
             </a:r>
           </a:p>
           <a:p>
             <a:r>
-              <a:rPr lang="en-US" sz="1600" dirty="0"/>
+              <a:rPr lang="en-US" sz="1600" dirty="0">
+                <a:latin typeface="+mj-lt"/>
+              </a:rPr>
               <a:t>bool Register(string username, string password, string email)</a:t>
             </a:r>
           </a:p>
           <a:p>
             <a:r>
-              <a:rPr lang="en-US" sz="1600" dirty="0"/>
+              <a:rPr lang="en-US" sz="1600" dirty="0">
+                <a:latin typeface="+mj-lt"/>
+              </a:rPr>
               <a:t>void LogError(string error)</a:t>
             </a:r>
           </a:p>
           <a:p>
             <a:r>
-              <a:rPr lang="en-US" sz="1600" dirty="0"/>
+              <a:rPr lang="en-US" sz="1600" dirty="0">
+                <a:latin typeface="+mj-lt"/>
+              </a:rPr>
               <a:t>bool SendEmail(string emailContent)</a:t>
             </a:r>
           </a:p>
@@ -3927,7 +4376,9 @@
               <a:buNone/>
             </a:pPr>
             <a:r>
-              <a:rPr lang="en-US" sz="1600" dirty="0"/>
+              <a:rPr lang="en-US" sz="1600" dirty="0">
+                <a:latin typeface="+mj-lt"/>
+              </a:rPr>
               <a:t>We don’t need to have LogError and SendEmail functionalities as part of IUser interface as User object should be able to perform either Login or Register at a time. Hence we need to create separate interfaces for LogError and SendEmail.</a:t>
             </a:r>
           </a:p>
@@ -4157,13 +4608,29 @@
           </a:p>
           <a:p>
             <a:r>
-              <a:rPr lang="en-US" dirty="0"/>
-              <a:t>No client should be forced to depend on methods it does not use.</a:t>
-            </a:r>
-          </a:p>
-          <a:p>
-            <a:r>
-              <a:rPr lang="en-US" dirty="0"/>
+              <a:rPr lang="en-US" sz="2000" dirty="0">
+                <a:latin typeface="+mj-lt"/>
+              </a:rPr>
+              <a:t>No client </a:t>
+            </a:r>
+            <a:r>
+              <a:rPr lang="en-US" sz="2000" dirty="0">
+                <a:latin typeface="+mj-lt"/>
+              </a:rPr>
+              <a:t>should</a:t>
+            </a:r>
+            <a:r>
+              <a:rPr lang="en-US" sz="2000" dirty="0">
+                <a:latin typeface="+mj-lt"/>
+              </a:rPr>
+              <a:t> be forced to depend on methods it does not use.</a:t>
+            </a:r>
+          </a:p>
+          <a:p>
+            <a:r>
+              <a:rPr lang="en-US" sz="2000" dirty="0">
+                <a:latin typeface="+mj-lt"/>
+              </a:rPr>
               <a:t>Instead of one big fat interface, many smaller interfaces are preferred based on group of methods with each serving one submodule.</a:t>
             </a:r>
           </a:p>
@@ -4200,7 +4667,9 @@
               <a:buNone/>
             </a:pPr>
             <a:r>
-              <a:rPr lang="en-US" sz="1800" dirty="0"/>
+              <a:rPr lang="en-US" sz="1800" dirty="0">
+                <a:latin typeface="+mj-lt"/>
+              </a:rPr>
               <a:t>It has created a new printer system that could perform a variety of tasks such as stapling and faxing along with the regular printing tasks.</a:t>
             </a:r>
           </a:p>
@@ -4209,7 +4678,9 @@
               <a:buNone/>
             </a:pPr>
             <a:r>
-              <a:rPr lang="en-US" sz="1800" dirty="0"/>
+              <a:rPr lang="en-US" sz="1800" dirty="0">
+                <a:latin typeface="+mj-lt"/>
+              </a:rPr>
               <a:t>Since the single job class was used for all the tasks, so the modifications and deployment to the system became complex.</a:t>
             </a:r>
           </a:p>
@@ -4298,25 +4769,33 @@
           </a:p>
           <a:p>
             <a:r>
-              <a:rPr lang="en-US" sz="2000" dirty="0"/>
+              <a:rPr lang="en-US" sz="1800" dirty="0">
+                <a:latin typeface="+mj-lt"/>
+              </a:rPr>
               <a:t>bool PrintContent(string content)</a:t>
             </a:r>
           </a:p>
           <a:p>
             <a:r>
-              <a:rPr lang="en-US" sz="2000" dirty="0"/>
+              <a:rPr lang="en-US" sz="1800" dirty="0">
+                <a:latin typeface="+mj-lt"/>
+              </a:rPr>
               <a:t>bool ScanContent(string content)</a:t>
             </a:r>
           </a:p>
           <a:p>
             <a:r>
-              <a:rPr lang="en-US" sz="2000" dirty="0"/>
+              <a:rPr lang="en-US" sz="1800" dirty="0">
+                <a:latin typeface="+mj-lt"/>
+              </a:rPr>
               <a:t>bool FaxContent(string content)</a:t>
             </a:r>
           </a:p>
           <a:p>
             <a:r>
-              <a:rPr lang="en-US" sz="2000" dirty="0"/>
+              <a:rPr lang="en-US" sz="1800" dirty="0">
+                <a:latin typeface="+mj-lt"/>
+              </a:rPr>
               <a:t>bool PhotocopyContent(string content)</a:t>
             </a:r>
           </a:p>
@@ -4325,13 +4804,29 @@
           </a:p>
           <a:p>
             <a:r>
-              <a:rPr lang="en-US" sz="2000" dirty="0"/>
-              <a:t>The problem start when we have a printer that can perform all tasks but cannot fax , so in that case we are stuck to implement all the methods and explicitly handle method that cannot be implemented.</a:t>
-            </a:r>
-          </a:p>
-          <a:p>
-            <a:r>
-              <a:rPr lang="en-US" sz="2000" dirty="0"/>
+              <a:rPr lang="en-US" sz="1800" dirty="0">
+                <a:latin typeface="+mj-lt"/>
+              </a:rPr>
+              <a:t>The problem </a:t>
+            </a:r>
+            <a:r>
+              <a:rPr lang="en-US" sz="1800" dirty="0" smtClean="0">
+                <a:latin typeface="+mj-lt"/>
+              </a:rPr>
+              <a:t>starts </a:t>
+            </a:r>
+            <a:r>
+              <a:rPr lang="en-US" sz="1800" dirty="0">
+                <a:latin typeface="+mj-lt"/>
+              </a:rPr>
+              <a:t>when we have a printer that can perform all tasks but cannot fax , so in that case we are stuck to implement all the methods and explicitly handle method that cannot be implemented.</a:t>
+            </a:r>
+          </a:p>
+          <a:p>
+            <a:r>
+              <a:rPr lang="en-US" sz="1800" dirty="0">
+                <a:latin typeface="+mj-lt"/>
+              </a:rPr>
               <a:t>And when we add any new method to above interface we are making it compulsory for other classes to implement new method and will have to update existing code.</a:t>
             </a:r>
           </a:p>
@@ -4430,7 +4925,9 @@
           <a:lstStyle/>
           <a:p>
             <a:r>
-              <a:rPr lang="en-US" sz="2000" dirty="0"/>
+              <a:rPr lang="en-US" sz="2000" dirty="0">
+                <a:latin typeface="+mj-lt"/>
+              </a:rPr>
               <a:t>One large job class is segregated to multiple interfaces depending on requirement.</a:t>
             </a:r>
           </a:p>
@@ -4477,7 +4974,9 @@
               <a:buChar char="•"/>
             </a:pPr>
             <a:r>
-              <a:rPr lang="en-US" dirty="0"/>
+              <a:rPr lang="en-US" dirty="0">
+                <a:latin typeface="+mj-lt"/>
+              </a:rPr>
               <a:t>bool PrintContent(string content)</a:t>
             </a:r>
           </a:p>
@@ -4487,7 +4986,9 @@
               <a:buChar char="•"/>
             </a:pPr>
             <a:r>
-              <a:rPr lang="en-US" dirty="0"/>
+              <a:rPr lang="en-US" dirty="0">
+                <a:latin typeface="+mj-lt"/>
+              </a:rPr>
               <a:t>bool ScanContent(string content)</a:t>
             </a:r>
           </a:p>
@@ -4497,7 +4998,9 @@
               <a:buChar char="•"/>
             </a:pPr>
             <a:r>
-              <a:rPr lang="en-US" dirty="0"/>
+              <a:rPr lang="en-US" dirty="0">
+                <a:latin typeface="+mj-lt"/>
+              </a:rPr>
               <a:t>bool PhotocopyContent(string content)</a:t>
             </a:r>
           </a:p>
@@ -4535,7 +5038,9 @@
               <a:buChar char="•"/>
             </a:pPr>
             <a:r>
-              <a:rPr lang="en-US" dirty="0"/>
+              <a:rPr lang="en-US" dirty="0">
+                <a:latin typeface="+mj-lt"/>
+              </a:rPr>
               <a:t>bool PrintDuplex(string content)</a:t>
             </a:r>
           </a:p>
@@ -4545,6 +5050,518 @@
     <p:extLst>
       <p:ext uri="{BB962C8B-B14F-4D97-AF65-F5344CB8AC3E}">
         <p14:creationId xmlns:p14="http://schemas.microsoft.com/office/powerpoint/2010/main" val="1508263836"/>
+      </p:ext>
+    </p:extLst>
+  </p:cSld>
+  <p:clrMapOvr>
+    <a:masterClrMapping/>
+  </p:clrMapOvr>
+</p:sld>
+</file>
+
+<file path=ppt/slides/slide8.xml><?xml version="1.0" encoding="utf-8"?>
+<p:sld xmlns:a="http://schemas.openxmlformats.org/drawingml/2006/main" xmlns:r="http://schemas.openxmlformats.org/officeDocument/2006/relationships" xmlns:p="http://schemas.openxmlformats.org/presentationml/2006/main">
+  <p:cSld>
+    <p:spTree>
+      <p:nvGrpSpPr>
+        <p:cNvPr id="1" name=""/>
+        <p:cNvGrpSpPr/>
+        <p:nvPr/>
+      </p:nvGrpSpPr>
+      <p:grpSpPr>
+        <a:xfrm>
+          <a:off x="0" y="0"/>
+          <a:ext cx="0" cy="0"/>
+          <a:chOff x="0" y="0"/>
+          <a:chExt cx="0" cy="0"/>
+        </a:xfrm>
+      </p:grpSpPr>
+      <p:sp>
+        <p:nvSpPr>
+          <p:cNvPr id="2" name="Title 1"/>
+          <p:cNvSpPr>
+            <a:spLocks noGrp="1"/>
+          </p:cNvSpPr>
+          <p:nvPr>
+            <p:ph type="title"/>
+          </p:nvPr>
+        </p:nvSpPr>
+        <p:spPr>
+          <a:xfrm>
+            <a:off x="838200" y="365125"/>
+            <a:ext cx="10515600" cy="524337"/>
+          </a:xfrm>
+        </p:spPr>
+        <p:txBody>
+          <a:bodyPr>
+            <a:noAutofit/>
+          </a:bodyPr>
+          <a:lstStyle/>
+          <a:p>
+            <a:r>
+              <a:rPr lang="en-US" dirty="0" smtClean="0">
+                <a:latin typeface="+mn-lt"/>
+              </a:rPr>
+              <a:t>Open Closed Principle</a:t>
+            </a:r>
+            <a:endParaRPr lang="en-IN" dirty="0">
+              <a:latin typeface="+mn-lt"/>
+            </a:endParaRPr>
+          </a:p>
+        </p:txBody>
+      </p:sp>
+      <p:sp>
+        <p:nvSpPr>
+          <p:cNvPr id="3" name="Content Placeholder 2"/>
+          <p:cNvSpPr>
+            <a:spLocks noGrp="1"/>
+          </p:cNvSpPr>
+          <p:nvPr>
+            <p:ph idx="1"/>
+          </p:nvPr>
+        </p:nvSpPr>
+        <p:spPr>
+          <a:xfrm>
+            <a:off x="838200" y="1379913"/>
+            <a:ext cx="10515600" cy="5287501"/>
+          </a:xfrm>
+        </p:spPr>
+        <p:txBody>
+          <a:bodyPr>
+            <a:normAutofit/>
+          </a:bodyPr>
+          <a:lstStyle/>
+          <a:p>
+            <a:r>
+              <a:rPr lang="en-US" sz="1600" dirty="0" smtClean="0">
+                <a:latin typeface="+mj-lt"/>
+              </a:rPr>
+              <a:t>Software entities like classes, modules, functions should be open for extension, but closed for modification.</a:t>
+            </a:r>
+          </a:p>
+          <a:p>
+            <a:r>
+              <a:rPr lang="en-US" sz="1600" dirty="0" smtClean="0">
+                <a:latin typeface="+mj-lt"/>
+              </a:rPr>
+              <a:t>Any new functionality should be implemented by adding new classes, attributes and methods instead of changing current ones.</a:t>
+            </a:r>
+          </a:p>
+          <a:p>
+            <a:endParaRPr lang="en-US" sz="1600" dirty="0">
+              <a:latin typeface="+mj-lt"/>
+            </a:endParaRPr>
+          </a:p>
+          <a:p>
+            <a:pPr marL="0" indent="0">
+              <a:buNone/>
+            </a:pPr>
+            <a:r>
+              <a:rPr lang="en-US" sz="1800" dirty="0" smtClean="0"/>
+              <a:t>Implementation guidelines</a:t>
+            </a:r>
+          </a:p>
+          <a:p>
+            <a:r>
+              <a:rPr lang="en-US" sz="1600" dirty="0" smtClean="0">
+                <a:latin typeface="+mj-lt"/>
+              </a:rPr>
+              <a:t>We should implement new functionality on a new derived class.</a:t>
+            </a:r>
+            <a:r>
+              <a:rPr lang="en-IN" sz="1600" dirty="0" smtClean="0">
+                <a:latin typeface="+mj-lt"/>
+              </a:rPr>
+              <a:t> Or,</a:t>
+            </a:r>
+          </a:p>
+          <a:p>
+            <a:r>
+              <a:rPr lang="en-US" sz="1600" dirty="0" smtClean="0">
+                <a:latin typeface="+mj-lt"/>
+              </a:rPr>
+              <a:t>Allow clients to access the original class with abstract interface.</a:t>
+            </a:r>
+          </a:p>
+          <a:p>
+            <a:endParaRPr lang="en-US" sz="1600" dirty="0">
+              <a:latin typeface="+mj-lt"/>
+            </a:endParaRPr>
+          </a:p>
+          <a:p>
+            <a:pPr marL="0" indent="0">
+              <a:buNone/>
+            </a:pPr>
+            <a:r>
+              <a:rPr lang="en-US" sz="1800" dirty="0" smtClean="0"/>
+              <a:t>Which if OCP is not followed</a:t>
+            </a:r>
+          </a:p>
+          <a:p>
+            <a:r>
+              <a:rPr lang="en-US" sz="1600" dirty="0" smtClean="0">
+                <a:latin typeface="+mj-lt"/>
+              </a:rPr>
+              <a:t>We end testing the entire functionality</a:t>
+            </a:r>
+          </a:p>
+          <a:p>
+            <a:r>
+              <a:rPr lang="en-US" sz="1600" dirty="0" smtClean="0">
+                <a:latin typeface="+mj-lt"/>
+              </a:rPr>
+              <a:t>Breaks the Single Responsibility principle as well.</a:t>
+            </a:r>
+          </a:p>
+          <a:p>
+            <a:r>
+              <a:rPr lang="en-US" sz="1600" dirty="0" smtClean="0">
+                <a:latin typeface="+mj-lt"/>
+              </a:rPr>
+              <a:t>Maintenance becomes difficult.</a:t>
+            </a:r>
+          </a:p>
+        </p:txBody>
+      </p:sp>
+    </p:spTree>
+    <p:extLst>
+      <p:ext uri="{BB962C8B-B14F-4D97-AF65-F5344CB8AC3E}">
+        <p14:creationId xmlns:p14="http://schemas.microsoft.com/office/powerpoint/2010/main" val="3580349928"/>
+      </p:ext>
+    </p:extLst>
+  </p:cSld>
+  <p:clrMapOvr>
+    <a:masterClrMapping/>
+  </p:clrMapOvr>
+</p:sld>
+</file>
+
+<file path=ppt/slides/slide9.xml><?xml version="1.0" encoding="utf-8"?>
+<p:sld xmlns:a="http://schemas.openxmlformats.org/drawingml/2006/main" xmlns:r="http://schemas.openxmlformats.org/officeDocument/2006/relationships" xmlns:p="http://schemas.openxmlformats.org/presentationml/2006/main">
+  <p:cSld>
+    <p:spTree>
+      <p:nvGrpSpPr>
+        <p:cNvPr id="1" name=""/>
+        <p:cNvGrpSpPr/>
+        <p:nvPr/>
+      </p:nvGrpSpPr>
+      <p:grpSpPr>
+        <a:xfrm>
+          <a:off x="0" y="0"/>
+          <a:ext cx="0" cy="0"/>
+          <a:chOff x="0" y="0"/>
+          <a:chExt cx="0" cy="0"/>
+        </a:xfrm>
+      </p:grpSpPr>
+      <p:sp>
+        <p:nvSpPr>
+          <p:cNvPr id="2" name="Title 1"/>
+          <p:cNvSpPr>
+            <a:spLocks noGrp="1"/>
+          </p:cNvSpPr>
+          <p:nvPr>
+            <p:ph type="title"/>
+          </p:nvPr>
+        </p:nvSpPr>
+        <p:spPr>
+          <a:xfrm>
+            <a:off x="838200" y="365126"/>
+            <a:ext cx="10515600" cy="441210"/>
+          </a:xfrm>
+        </p:spPr>
+        <p:txBody>
+          <a:bodyPr>
+            <a:normAutofit fontScale="90000"/>
+          </a:bodyPr>
+          <a:lstStyle/>
+          <a:p>
+            <a:r>
+              <a:rPr lang="en-US" sz="2800" dirty="0" smtClean="0"/>
+              <a:t>Example</a:t>
+            </a:r>
+            <a:endParaRPr lang="en-IN" sz="2800" dirty="0"/>
+          </a:p>
+        </p:txBody>
+      </p:sp>
+      <p:sp>
+        <p:nvSpPr>
+          <p:cNvPr id="3" name="Content Placeholder 2"/>
+          <p:cNvSpPr>
+            <a:spLocks noGrp="1"/>
+          </p:cNvSpPr>
+          <p:nvPr>
+            <p:ph idx="1"/>
+          </p:nvPr>
+        </p:nvSpPr>
+        <p:spPr>
+          <a:xfrm>
+            <a:off x="838200" y="881149"/>
+            <a:ext cx="10515600" cy="5295814"/>
+          </a:xfrm>
+        </p:spPr>
+        <p:txBody>
+          <a:bodyPr>
+            <a:normAutofit fontScale="40000" lnSpcReduction="20000"/>
+          </a:bodyPr>
+          <a:lstStyle/>
+          <a:p>
+            <a:pPr marL="0" indent="0">
+              <a:buNone/>
+            </a:pPr>
+            <a:r>
+              <a:rPr lang="en-US" sz="4000" dirty="0" smtClean="0">
+                <a:latin typeface="+mj-lt"/>
+              </a:rPr>
+              <a:t>Requirement is such that we need to compute the bonus of an employee.</a:t>
+            </a:r>
+          </a:p>
+          <a:p>
+            <a:pPr marL="0" indent="0">
+              <a:buNone/>
+            </a:pPr>
+            <a:endParaRPr lang="en-US" sz="4000" dirty="0" smtClean="0"/>
+          </a:p>
+          <a:p>
+            <a:pPr marL="0" indent="0">
+              <a:buNone/>
+            </a:pPr>
+            <a:r>
+              <a:rPr lang="en-US" sz="4000" dirty="0" smtClean="0"/>
+              <a:t>We tend to create a class like below – </a:t>
+            </a:r>
+          </a:p>
+          <a:p>
+            <a:pPr marL="0" indent="0">
+              <a:buNone/>
+            </a:pPr>
+            <a:endParaRPr lang="en-US" sz="1600" dirty="0"/>
+          </a:p>
+          <a:p>
+            <a:pPr marL="0" indent="0">
+              <a:buNone/>
+            </a:pPr>
+            <a:r>
+              <a:rPr lang="en-IN" sz="2500" dirty="0" smtClean="0"/>
+              <a:t>    </a:t>
+            </a:r>
+            <a:r>
+              <a:rPr lang="en-IN" sz="2500" dirty="0" smtClean="0">
+                <a:latin typeface="+mj-lt"/>
+              </a:rPr>
+              <a:t>public </a:t>
+            </a:r>
+            <a:r>
+              <a:rPr lang="en-IN" sz="2500" dirty="0">
+                <a:latin typeface="+mj-lt"/>
+              </a:rPr>
+              <a:t>class Employee</a:t>
+            </a:r>
+          </a:p>
+          <a:p>
+            <a:pPr marL="0" indent="0">
+              <a:buNone/>
+            </a:pPr>
+            <a:r>
+              <a:rPr lang="en-IN" sz="2500" dirty="0">
+                <a:latin typeface="+mj-lt"/>
+              </a:rPr>
+              <a:t>    {</a:t>
+            </a:r>
+          </a:p>
+          <a:p>
+            <a:pPr marL="0" indent="0">
+              <a:buNone/>
+            </a:pPr>
+            <a:r>
+              <a:rPr lang="en-US" sz="2500" dirty="0">
+                <a:latin typeface="+mj-lt"/>
+              </a:rPr>
+              <a:t>        public int ID { get; set; }</a:t>
+            </a:r>
+          </a:p>
+          <a:p>
+            <a:pPr marL="0" indent="0">
+              <a:buNone/>
+            </a:pPr>
+            <a:r>
+              <a:rPr lang="en-US" sz="2500" dirty="0">
+                <a:latin typeface="+mj-lt"/>
+              </a:rPr>
+              <a:t>        public string Name { get; set; }</a:t>
+            </a:r>
+          </a:p>
+          <a:p>
+            <a:pPr marL="0" indent="0">
+              <a:buNone/>
+            </a:pPr>
+            <a:endParaRPr lang="en-IN" sz="2500" dirty="0">
+              <a:latin typeface="+mj-lt"/>
+            </a:endParaRPr>
+          </a:p>
+          <a:p>
+            <a:pPr marL="0" indent="0">
+              <a:buNone/>
+            </a:pPr>
+            <a:r>
+              <a:rPr lang="en-IN" sz="2500" dirty="0">
+                <a:latin typeface="+mj-lt"/>
+              </a:rPr>
+              <a:t>        public Employee() { }</a:t>
+            </a:r>
+          </a:p>
+          <a:p>
+            <a:pPr marL="0" indent="0">
+              <a:buNone/>
+            </a:pPr>
+            <a:endParaRPr lang="en-IN" sz="2500" dirty="0">
+              <a:latin typeface="+mj-lt"/>
+            </a:endParaRPr>
+          </a:p>
+          <a:p>
+            <a:pPr marL="0" indent="0">
+              <a:buNone/>
+            </a:pPr>
+            <a:r>
+              <a:rPr lang="en-US" sz="2500" dirty="0">
+                <a:latin typeface="+mj-lt"/>
+              </a:rPr>
+              <a:t>        public Employee(int id, string name)</a:t>
+            </a:r>
+          </a:p>
+          <a:p>
+            <a:pPr marL="0" indent="0">
+              <a:buNone/>
+            </a:pPr>
+            <a:r>
+              <a:rPr lang="en-IN" sz="2500" dirty="0">
+                <a:latin typeface="+mj-lt"/>
+              </a:rPr>
+              <a:t>        {</a:t>
+            </a:r>
+          </a:p>
+          <a:p>
+            <a:pPr marL="0" indent="0">
+              <a:buNone/>
+            </a:pPr>
+            <a:r>
+              <a:rPr lang="en-IN" sz="2500" dirty="0">
+                <a:latin typeface="+mj-lt"/>
+              </a:rPr>
+              <a:t>            this.ID = id;</a:t>
+            </a:r>
+          </a:p>
+          <a:p>
+            <a:pPr marL="0" indent="0">
+              <a:buNone/>
+            </a:pPr>
+            <a:r>
+              <a:rPr lang="en-IN" sz="2500" dirty="0">
+                <a:latin typeface="+mj-lt"/>
+              </a:rPr>
+              <a:t>            this.Name = name;</a:t>
+            </a:r>
+          </a:p>
+          <a:p>
+            <a:pPr marL="0" indent="0">
+              <a:buNone/>
+            </a:pPr>
+            <a:r>
+              <a:rPr lang="en-IN" sz="2500" dirty="0">
+                <a:latin typeface="+mj-lt"/>
+              </a:rPr>
+              <a:t>        }</a:t>
+            </a:r>
+          </a:p>
+          <a:p>
+            <a:pPr marL="0" indent="0">
+              <a:buNone/>
+            </a:pPr>
+            <a:endParaRPr lang="en-IN" sz="2500" dirty="0">
+              <a:latin typeface="+mj-lt"/>
+            </a:endParaRPr>
+          </a:p>
+          <a:p>
+            <a:pPr marL="0" indent="0">
+              <a:buNone/>
+            </a:pPr>
+            <a:r>
+              <a:rPr lang="en-IN" sz="2500" dirty="0">
+                <a:latin typeface="+mj-lt"/>
+              </a:rPr>
+              <a:t>        public decimal </a:t>
+            </a:r>
+            <a:r>
+              <a:rPr lang="en-IN" sz="2500" dirty="0" err="1">
+                <a:latin typeface="+mj-lt"/>
+              </a:rPr>
+              <a:t>CalculateBonus</a:t>
+            </a:r>
+            <a:r>
+              <a:rPr lang="en-IN" sz="2500" dirty="0">
+                <a:latin typeface="+mj-lt"/>
+              </a:rPr>
+              <a:t>(decimal salary)</a:t>
+            </a:r>
+          </a:p>
+          <a:p>
+            <a:pPr marL="0" indent="0">
+              <a:buNone/>
+            </a:pPr>
+            <a:r>
+              <a:rPr lang="en-IN" sz="2500" dirty="0">
+                <a:latin typeface="+mj-lt"/>
+              </a:rPr>
+              <a:t>        {</a:t>
+            </a:r>
+          </a:p>
+          <a:p>
+            <a:pPr marL="0" indent="0">
+              <a:buNone/>
+            </a:pPr>
+            <a:r>
+              <a:rPr lang="en-IN" sz="2500" dirty="0">
+                <a:latin typeface="+mj-lt"/>
+              </a:rPr>
+              <a:t>            return salary * .1M;</a:t>
+            </a:r>
+          </a:p>
+          <a:p>
+            <a:pPr marL="0" indent="0">
+              <a:buNone/>
+            </a:pPr>
+            <a:r>
+              <a:rPr lang="en-IN" sz="2500" dirty="0">
+                <a:latin typeface="+mj-lt"/>
+              </a:rPr>
+              <a:t>        }      </a:t>
+            </a:r>
+          </a:p>
+          <a:p>
+            <a:pPr marL="0" indent="0">
+              <a:buNone/>
+            </a:pPr>
+            <a:r>
+              <a:rPr lang="en-IN" sz="2500" dirty="0">
+                <a:latin typeface="+mj-lt"/>
+              </a:rPr>
+              <a:t>    }</a:t>
+            </a:r>
+            <a:endParaRPr lang="en-US" sz="2500" dirty="0" smtClean="0">
+              <a:latin typeface="+mj-lt"/>
+            </a:endParaRPr>
+          </a:p>
+          <a:p>
+            <a:pPr marL="0" indent="0">
+              <a:buNone/>
+            </a:pPr>
+            <a:endParaRPr lang="en-US" sz="1600" dirty="0"/>
+          </a:p>
+        </p:txBody>
+      </p:sp>
+    </p:spTree>
+    <p:extLst>
+      <p:ext uri="{BB962C8B-B14F-4D97-AF65-F5344CB8AC3E}">
+        <p14:creationId xmlns:p14="http://schemas.microsoft.com/office/powerpoint/2010/main" val="3784893727"/>
       </p:ext>
     </p:extLst>
   </p:cSld>
